--- a/Roboboat.pptx
+++ b/Roboboat.pptx
@@ -10,11 +10,12 @@
     <p:sldId id="258" r:id="rId4"/>
     <p:sldId id="259" r:id="rId5"/>
     <p:sldId id="260" r:id="rId6"/>
-    <p:sldId id="261" r:id="rId7"/>
-    <p:sldId id="262" r:id="rId8"/>
-    <p:sldId id="263" r:id="rId9"/>
-    <p:sldId id="264" r:id="rId10"/>
-    <p:sldId id="265" r:id="rId11"/>
+    <p:sldId id="266" r:id="rId7"/>
+    <p:sldId id="261" r:id="rId8"/>
+    <p:sldId id="262" r:id="rId9"/>
+    <p:sldId id="263" r:id="rId10"/>
+    <p:sldId id="264" r:id="rId11"/>
+    <p:sldId id="265" r:id="rId12"/>
   </p:sldIdLst>
   <p:sldSz cx="12192000" cy="6858000"/>
   <p:notesSz cx="6858000" cy="9144000"/>
@@ -3430,6 +3431,179 @@
           <p:cNvPr id="2" name="Title 1">
             <a:extLst>
               <a:ext uri="{FF2B5EF4-FFF2-40B4-BE49-F238E27FC236}">
+                <a16:creationId xmlns:a16="http://schemas.microsoft.com/office/drawing/2014/main" id="{E3F21E8E-4270-415C-8468-445DE7C3F84D}"/>
+              </a:ext>
+            </a:extLst>
+          </p:cNvPr>
+          <p:cNvSpPr>
+            <a:spLocks noGrp="1"/>
+          </p:cNvSpPr>
+          <p:nvPr>
+            <p:ph type="title"/>
+          </p:nvPr>
+        </p:nvSpPr>
+        <p:spPr/>
+        <p:txBody>
+          <a:bodyPr/>
+          <a:lstStyle/>
+          <a:p>
+            <a:r>
+              <a:rPr lang="en-US" dirty="0" err="1"/>
+              <a:t>Pembelian</a:t>
+            </a:r>
+            <a:r>
+              <a:rPr lang="en-US" dirty="0"/>
+              <a:t> </a:t>
+            </a:r>
+          </a:p>
+        </p:txBody>
+      </p:sp>
+      <p:sp>
+        <p:nvSpPr>
+          <p:cNvPr id="3" name="Content Placeholder 2">
+            <a:extLst>
+              <a:ext uri="{FF2B5EF4-FFF2-40B4-BE49-F238E27FC236}">
+                <a16:creationId xmlns:a16="http://schemas.microsoft.com/office/drawing/2014/main" id="{4208A99D-F10D-4AE9-8825-19A4D9535467}"/>
+              </a:ext>
+            </a:extLst>
+          </p:cNvPr>
+          <p:cNvSpPr>
+            <a:spLocks noGrp="1"/>
+          </p:cNvSpPr>
+          <p:nvPr>
+            <p:ph idx="1"/>
+          </p:nvPr>
+        </p:nvSpPr>
+        <p:spPr/>
+        <p:txBody>
+          <a:bodyPr/>
+          <a:lstStyle/>
+          <a:p>
+            <a:r>
+              <a:rPr lang="en-US" dirty="0"/>
+              <a:t>Walmart, </a:t>
+            </a:r>
+            <a:r>
+              <a:rPr lang="en-US" dirty="0" err="1"/>
+              <a:t>publix</a:t>
+            </a:r>
+            <a:r>
+              <a:rPr lang="en-US" dirty="0"/>
+              <a:t>, toko2 </a:t>
+            </a:r>
+            <a:r>
+              <a:rPr lang="en-US" dirty="0" err="1"/>
+              <a:t>banyak</a:t>
+            </a:r>
+            <a:endParaRPr lang="en-US" dirty="0"/>
+          </a:p>
+          <a:p>
+            <a:r>
+              <a:rPr lang="en-US" dirty="0" err="1"/>
+              <a:t>Sedia</a:t>
+            </a:r>
+            <a:r>
+              <a:rPr lang="en-US" dirty="0"/>
+              <a:t> CC</a:t>
+            </a:r>
+          </a:p>
+          <a:p>
+            <a:r>
+              <a:rPr lang="en-US" dirty="0" err="1"/>
+              <a:t>Bawa</a:t>
+            </a:r>
+            <a:r>
+              <a:rPr lang="en-US" dirty="0"/>
+              <a:t> cash dollar (</a:t>
+            </a:r>
+            <a:r>
+              <a:rPr lang="en-US" dirty="0" err="1"/>
+              <a:t>tukar</a:t>
+            </a:r>
+            <a:r>
+              <a:rPr lang="en-US" dirty="0"/>
+              <a:t> di bank, </a:t>
+            </a:r>
+            <a:r>
+              <a:rPr lang="en-US" dirty="0" err="1"/>
+              <a:t>bandara</a:t>
+            </a:r>
+            <a:r>
+              <a:rPr lang="en-US" dirty="0"/>
+              <a:t> mahal)</a:t>
+            </a:r>
+          </a:p>
+          <a:p>
+            <a:r>
+              <a:rPr lang="en-US" dirty="0" err="1"/>
+              <a:t>Penarikan</a:t>
+            </a:r>
+            <a:r>
+              <a:rPr lang="en-US" dirty="0"/>
+              <a:t> </a:t>
+            </a:r>
+            <a:r>
+              <a:rPr lang="en-US" dirty="0" err="1"/>
+              <a:t>menggunakan</a:t>
+            </a:r>
+            <a:r>
+              <a:rPr lang="en-US" dirty="0"/>
+              <a:t> visa </a:t>
+            </a:r>
+            <a:r>
+              <a:rPr lang="en-US" dirty="0" err="1"/>
+              <a:t>dibatasi</a:t>
+            </a:r>
+            <a:r>
+              <a:rPr lang="en-US" dirty="0"/>
+              <a:t> 300 dollar per </a:t>
+            </a:r>
+            <a:r>
+              <a:rPr lang="en-US" dirty="0" err="1"/>
+              <a:t>hari</a:t>
+            </a:r>
+            <a:endParaRPr lang="en-US" dirty="0"/>
+          </a:p>
+          <a:p>
+            <a:endParaRPr lang="en-US" dirty="0"/>
+          </a:p>
+        </p:txBody>
+      </p:sp>
+    </p:spTree>
+    <p:extLst>
+      <p:ext uri="{BB962C8B-B14F-4D97-AF65-F5344CB8AC3E}">
+        <p14:creationId xmlns:p14="http://schemas.microsoft.com/office/powerpoint/2010/main" val="816647156"/>
+      </p:ext>
+    </p:extLst>
+  </p:cSld>
+  <p:clrMapOvr>
+    <a:masterClrMapping/>
+  </p:clrMapOvr>
+</p:sld>
+</file>
+
+<file path=ppt/slides/slide11.xml><?xml version="1.0" encoding="utf-8"?>
+<p:sld xmlns:a="http://schemas.openxmlformats.org/drawingml/2006/main" xmlns:r="http://schemas.openxmlformats.org/officeDocument/2006/relationships" xmlns:p="http://schemas.openxmlformats.org/presentationml/2006/main">
+  <p:cSld>
+    <p:spTree>
+      <p:nvGrpSpPr>
+        <p:cNvPr id="1" name=""/>
+        <p:cNvGrpSpPr/>
+        <p:nvPr/>
+      </p:nvGrpSpPr>
+      <p:grpSpPr>
+        <a:xfrm>
+          <a:off x="0" y="0"/>
+          <a:ext cx="0" cy="0"/>
+          <a:chOff x="0" y="0"/>
+          <a:chExt cx="0" cy="0"/>
+        </a:xfrm>
+      </p:grpSpPr>
+      <p:sp>
+        <p:nvSpPr>
+          <p:cNvPr id="2" name="Title 1">
+            <a:extLst>
+              <a:ext uri="{FF2B5EF4-FFF2-40B4-BE49-F238E27FC236}">
                 <a16:creationId xmlns:a16="http://schemas.microsoft.com/office/drawing/2014/main" id="{556719E0-4CD3-4B8E-A78C-D065BD080B23}"/>
               </a:ext>
             </a:extLst>
@@ -3910,7 +4084,9 @@
         </p:nvSpPr>
         <p:spPr/>
         <p:txBody>
-          <a:bodyPr/>
+          <a:bodyPr>
+            <a:normAutofit lnSpcReduction="10000"/>
+          </a:bodyPr>
           <a:lstStyle/>
           <a:p>
             <a:r>
@@ -3965,6 +4141,29 @@
               <a:rPr lang="en-US" dirty="0"/>
               <a:t> course B)</a:t>
             </a:r>
+          </a:p>
+          <a:p>
+            <a:r>
+              <a:rPr lang="en-US" dirty="0" err="1"/>
+              <a:t>Pilih</a:t>
+            </a:r>
+            <a:r>
+              <a:rPr lang="en-US" dirty="0"/>
+              <a:t> misi2 yang </a:t>
+            </a:r>
+            <a:r>
+              <a:rPr lang="en-US" dirty="0" err="1"/>
+              <a:t>ingin</a:t>
+            </a:r>
+            <a:r>
+              <a:rPr lang="en-US" dirty="0"/>
+              <a:t> </a:t>
+            </a:r>
+            <a:r>
+              <a:rPr lang="en-US" dirty="0" err="1"/>
+              <a:t>dijalankan</a:t>
+            </a:r>
+            <a:endParaRPr lang="en-US" dirty="0"/>
           </a:p>
           <a:p>
             <a:endParaRPr lang="en-US" dirty="0"/>
@@ -4257,7 +4456,7 @@
           <p:cNvPr id="2" name="Title 1">
             <a:extLst>
               <a:ext uri="{FF2B5EF4-FFF2-40B4-BE49-F238E27FC236}">
-                <a16:creationId xmlns:a16="http://schemas.microsoft.com/office/drawing/2014/main" id="{E93B6B09-37D1-4537-991A-DBBA396749D9}"/>
+                <a16:creationId xmlns:a16="http://schemas.microsoft.com/office/drawing/2014/main" id="{8B6C35EE-BA4D-4233-8B65-CF8A733AB507}"/>
               </a:ext>
             </a:extLst>
           </p:cNvPr>
@@ -4274,8 +4473,12 @@
           <a:lstStyle/>
           <a:p>
             <a:r>
-              <a:rPr lang="en-US" dirty="0"/>
-              <a:t>Luggage</a:t>
+              <a:rPr lang="en-US" dirty="0" err="1"/>
+              <a:t>Pemain</a:t>
+            </a:r>
+            <a:r>
+              <a:rPr lang="en-US" dirty="0"/>
+              <a:t> lama	</a:t>
             </a:r>
           </a:p>
         </p:txBody>
@@ -4285,7 +4488,7 @@
           <p:cNvPr id="3" name="Content Placeholder 2">
             <a:extLst>
               <a:ext uri="{FF2B5EF4-FFF2-40B4-BE49-F238E27FC236}">
-                <a16:creationId xmlns:a16="http://schemas.microsoft.com/office/drawing/2014/main" id="{5F1D3D62-D5EF-4162-A155-A6DF2E64A2EB}"/>
+                <a16:creationId xmlns:a16="http://schemas.microsoft.com/office/drawing/2014/main" id="{E9870FEF-29BD-4CE0-B6A6-C345505BED69}"/>
               </a:ext>
             </a:extLst>
           </p:cNvPr>
@@ -4301,13 +4504,16 @@
           <a:bodyPr/>
           <a:lstStyle/>
           <a:p>
-            <a:r>
-              <a:rPr lang="en-US" dirty="0"/>
-              <a:t>1 </a:t>
-            </a:r>
-            <a:r>
-              <a:rPr lang="en-US" dirty="0" err="1"/>
-              <a:t>manusia</a:t>
+            <a:pPr marL="0" indent="0">
+              <a:buNone/>
+            </a:pPr>
+            <a:r>
+              <a:rPr lang="en-US" dirty="0"/>
+              <a:t>Karena arena </a:t>
+            </a:r>
+            <a:r>
+              <a:rPr lang="en-US" dirty="0" err="1"/>
+              <a:t>tidak</a:t>
             </a:r>
             <a:r>
               <a:rPr lang="en-US" dirty="0"/>
@@ -4315,191 +4521,104 @@
             </a:r>
             <a:r>
               <a:rPr lang="en-US" dirty="0" err="1"/>
-              <a:t>akumulasi</a:t>
-            </a:r>
-            <a:r>
-              <a:rPr lang="en-US" dirty="0"/>
-              <a:t> 36kg 2 </a:t>
-            </a:r>
-            <a:r>
-              <a:rPr lang="en-US" dirty="0" err="1"/>
-              <a:t>koper</a:t>
-            </a:r>
+              <a:t>banyak</a:t>
+            </a:r>
+            <a:r>
+              <a:rPr lang="en-US" dirty="0"/>
+              <a:t> </a:t>
+            </a:r>
+            <a:r>
+              <a:rPr lang="en-US" dirty="0" err="1"/>
+              <a:t>perubahan</a:t>
+            </a:r>
+            <a:r>
+              <a:rPr lang="en-US" dirty="0"/>
+              <a:t>, </a:t>
+            </a:r>
+            <a:r>
+              <a:rPr lang="en-US" dirty="0" err="1"/>
+              <a:t>tim</a:t>
+            </a:r>
+            <a:r>
+              <a:rPr lang="en-US" dirty="0"/>
+              <a:t> lama </a:t>
+            </a:r>
+            <a:r>
+              <a:rPr lang="en-US" dirty="0" err="1"/>
+              <a:t>lebih</a:t>
+            </a:r>
+            <a:r>
+              <a:rPr lang="en-US" dirty="0"/>
+              <a:t> </a:t>
+            </a:r>
+            <a:r>
+              <a:rPr lang="en-US" dirty="0" err="1"/>
+              <a:t>diunggulkan</a:t>
+            </a:r>
+            <a:endParaRPr lang="en-US"/>
+          </a:p>
+          <a:p>
+            <a:pPr marL="0" indent="0">
+              <a:buNone/>
+            </a:pPr>
             <a:endParaRPr lang="en-US" dirty="0"/>
           </a:p>
           <a:p>
-            <a:r>
-              <a:rPr lang="en-US" dirty="0"/>
-              <a:t>Panjang </a:t>
-            </a:r>
-            <a:r>
-              <a:rPr lang="en-US" dirty="0" err="1"/>
-              <a:t>maks</a:t>
-            </a:r>
-            <a:r>
-              <a:rPr lang="en-US" dirty="0"/>
-              <a:t> 157cm </a:t>
-            </a:r>
-            <a:r>
-              <a:rPr lang="en-US" dirty="0" err="1"/>
-              <a:t>p+l+t</a:t>
-            </a:r>
-            <a:r>
-              <a:rPr lang="en-US" dirty="0"/>
-              <a:t> (</a:t>
-            </a:r>
-            <a:r>
-              <a:rPr lang="en-US" dirty="0" err="1"/>
-              <a:t>tiap</a:t>
-            </a:r>
-            <a:r>
-              <a:rPr lang="en-US" dirty="0"/>
-              <a:t> </a:t>
-            </a:r>
-            <a:r>
-              <a:rPr lang="en-US" dirty="0" err="1"/>
-              <a:t>maskapai</a:t>
-            </a:r>
-            <a:r>
-              <a:rPr lang="en-US" dirty="0"/>
-              <a:t> </a:t>
-            </a:r>
-            <a:r>
-              <a:rPr lang="en-US" dirty="0" err="1"/>
-              <a:t>beda</a:t>
-            </a:r>
-            <a:r>
-              <a:rPr lang="en-US" dirty="0"/>
-              <a:t>)</a:t>
-            </a:r>
-          </a:p>
-          <a:p>
-            <a:r>
-              <a:rPr lang="en-US" dirty="0" err="1"/>
-              <a:t>Kapal</a:t>
-            </a:r>
-            <a:r>
-              <a:rPr lang="en-US" dirty="0"/>
-              <a:t> </a:t>
-            </a:r>
-            <a:r>
-              <a:rPr lang="en-US" dirty="0" err="1"/>
-              <a:t>sebaiknya</a:t>
-            </a:r>
-            <a:r>
-              <a:rPr lang="en-US" dirty="0"/>
-              <a:t> </a:t>
-            </a:r>
-            <a:r>
-              <a:rPr lang="en-US" dirty="0" err="1"/>
-              <a:t>bongkar</a:t>
-            </a:r>
-            <a:r>
-              <a:rPr lang="en-US" dirty="0"/>
-              <a:t> </a:t>
-            </a:r>
-            <a:r>
-              <a:rPr lang="en-US" dirty="0" err="1"/>
-              <a:t>pasang</a:t>
-            </a:r>
-            <a:r>
-              <a:rPr lang="en-US" dirty="0"/>
-              <a:t> dan </a:t>
-            </a:r>
-            <a:r>
-              <a:rPr lang="en-US" dirty="0" err="1"/>
-              <a:t>masukkan</a:t>
-            </a:r>
-            <a:r>
-              <a:rPr lang="en-US" dirty="0"/>
-              <a:t> </a:t>
-            </a:r>
-            <a:r>
-              <a:rPr lang="en-US" dirty="0" err="1"/>
-              <a:t>ke</a:t>
-            </a:r>
-            <a:r>
-              <a:rPr lang="en-US" dirty="0"/>
-              <a:t> </a:t>
-            </a:r>
-            <a:r>
-              <a:rPr lang="en-US" dirty="0" err="1"/>
-              <a:t>koper</a:t>
-            </a:r>
-            <a:endParaRPr lang="en-US" dirty="0"/>
-          </a:p>
-          <a:p>
-            <a:r>
-              <a:rPr lang="en-US" dirty="0" err="1"/>
-              <a:t>Pake</a:t>
-            </a:r>
-            <a:r>
-              <a:rPr lang="en-US" dirty="0"/>
-              <a:t> bubble wrap </a:t>
-            </a:r>
-            <a:r>
-              <a:rPr lang="en-US" dirty="0" err="1"/>
-              <a:t>untuk</a:t>
-            </a:r>
-            <a:r>
-              <a:rPr lang="en-US" dirty="0"/>
-              <a:t> tiap2 </a:t>
-            </a:r>
-            <a:r>
-              <a:rPr lang="en-US" dirty="0" err="1"/>
-              <a:t>komponen</a:t>
-            </a:r>
-            <a:r>
-              <a:rPr lang="en-US" dirty="0"/>
-              <a:t> </a:t>
-            </a:r>
-            <a:r>
-              <a:rPr lang="en-US" dirty="0" err="1"/>
-              <a:t>biar</a:t>
-            </a:r>
-            <a:r>
-              <a:rPr lang="en-US" dirty="0"/>
-              <a:t> </a:t>
-            </a:r>
-            <a:r>
-              <a:rPr lang="en-US" dirty="0" err="1"/>
-              <a:t>gk</a:t>
-            </a:r>
-            <a:r>
-              <a:rPr lang="en-US" dirty="0"/>
-              <a:t> </a:t>
-            </a:r>
-            <a:r>
-              <a:rPr lang="en-US" dirty="0" err="1"/>
-              <a:t>rusak</a:t>
-            </a:r>
-            <a:endParaRPr lang="en-US" dirty="0"/>
-          </a:p>
-          <a:p>
-            <a:r>
-              <a:rPr lang="en-US" dirty="0"/>
-              <a:t>Isi baju di </a:t>
-            </a:r>
-            <a:r>
-              <a:rPr lang="en-US" dirty="0" err="1"/>
-              <a:t>lambung</a:t>
-            </a:r>
-            <a:r>
-              <a:rPr lang="en-US" dirty="0"/>
-              <a:t> dan SS </a:t>
-            </a:r>
-            <a:r>
-              <a:rPr lang="en-US" dirty="0" err="1"/>
-              <a:t>kapal</a:t>
-            </a:r>
-            <a:endParaRPr lang="en-US" dirty="0"/>
+            <a:pPr>
+              <a:buFontTx/>
+              <a:buChar char="-"/>
+            </a:pPr>
+            <a:r>
+              <a:rPr lang="en-US" dirty="0"/>
+              <a:t>Embry riddle university</a:t>
+            </a:r>
+          </a:p>
+          <a:p>
+            <a:pPr>
+              <a:buFontTx/>
+              <a:buChar char="-"/>
+            </a:pPr>
+            <a:r>
+              <a:rPr lang="en-US" dirty="0"/>
+              <a:t>ITS</a:t>
+            </a:r>
+          </a:p>
+          <a:p>
+            <a:pPr>
+              <a:buFontTx/>
+              <a:buChar char="-"/>
+            </a:pPr>
+            <a:r>
+              <a:rPr lang="en-US" dirty="0"/>
+              <a:t>Georgia Tech</a:t>
+            </a:r>
+          </a:p>
+          <a:p>
+            <a:pPr>
+              <a:buFontTx/>
+              <a:buChar char="-"/>
+            </a:pPr>
+            <a:r>
+              <a:rPr lang="en-US" dirty="0"/>
+              <a:t>Haggerty</a:t>
+            </a:r>
+          </a:p>
+          <a:p>
+            <a:pPr>
+              <a:buFontTx/>
+              <a:buChar char="-"/>
+            </a:pPr>
+            <a:r>
+              <a:rPr lang="en-US" dirty="0"/>
+              <a:t>Michigan university</a:t>
+            </a:r>
           </a:p>
         </p:txBody>
       </p:sp>
     </p:spTree>
     <p:extLst>
       <p:ext uri="{BB962C8B-B14F-4D97-AF65-F5344CB8AC3E}">
-        <p14:creationId xmlns:p14="http://schemas.microsoft.com/office/powerpoint/2010/main" val="4072983793"/>
+        <p14:creationId xmlns:p14="http://schemas.microsoft.com/office/powerpoint/2010/main" val="274734999"/>
       </p:ext>
     </p:extLst>
   </p:cSld>
@@ -4531,7 +4650,7 @@
           <p:cNvPr id="2" name="Title 1">
             <a:extLst>
               <a:ext uri="{FF2B5EF4-FFF2-40B4-BE49-F238E27FC236}">
-                <a16:creationId xmlns:a16="http://schemas.microsoft.com/office/drawing/2014/main" id="{E4C21D21-6863-41A2-8C61-BFB2844EBF29}"/>
+                <a16:creationId xmlns:a16="http://schemas.microsoft.com/office/drawing/2014/main" id="{E93B6B09-37D1-4537-991A-DBBA396749D9}"/>
               </a:ext>
             </a:extLst>
           </p:cNvPr>
@@ -4548,8 +4667,40 @@
           <a:lstStyle/>
           <a:p>
             <a:r>
-              <a:rPr lang="en-US" dirty="0" err="1"/>
-              <a:t>Tempat</a:t>
+              <a:rPr lang="en-US" dirty="0"/>
+              <a:t>Luggage</a:t>
+            </a:r>
+          </a:p>
+        </p:txBody>
+      </p:sp>
+      <p:sp>
+        <p:nvSpPr>
+          <p:cNvPr id="3" name="Content Placeholder 2">
+            <a:extLst>
+              <a:ext uri="{FF2B5EF4-FFF2-40B4-BE49-F238E27FC236}">
+                <a16:creationId xmlns:a16="http://schemas.microsoft.com/office/drawing/2014/main" id="{5F1D3D62-D5EF-4162-A155-A6DF2E64A2EB}"/>
+              </a:ext>
+            </a:extLst>
+          </p:cNvPr>
+          <p:cNvSpPr>
+            <a:spLocks noGrp="1"/>
+          </p:cNvSpPr>
+          <p:nvPr>
+            <p:ph idx="1"/>
+          </p:nvPr>
+        </p:nvSpPr>
+        <p:spPr/>
+        <p:txBody>
+          <a:bodyPr/>
+          <a:lstStyle/>
+          <a:p>
+            <a:r>
+              <a:rPr lang="en-US" dirty="0"/>
+              <a:t>1 </a:t>
+            </a:r>
+            <a:r>
+              <a:rPr lang="en-US" dirty="0" err="1"/>
+              <a:t>manusia</a:t>
             </a:r>
             <a:r>
               <a:rPr lang="en-US" dirty="0"/>
@@ -4557,67 +4708,42 @@
             </a:r>
             <a:r>
               <a:rPr lang="en-US" dirty="0" err="1"/>
-              <a:t>tinggal</a:t>
-            </a:r>
-            <a:r>
-              <a:rPr lang="en-US" dirty="0"/>
-              <a:t>	</a:t>
-            </a:r>
-          </a:p>
-        </p:txBody>
-      </p:sp>
-      <p:sp>
-        <p:nvSpPr>
-          <p:cNvPr id="3" name="Content Placeholder 2">
-            <a:extLst>
-              <a:ext uri="{FF2B5EF4-FFF2-40B4-BE49-F238E27FC236}">
-                <a16:creationId xmlns:a16="http://schemas.microsoft.com/office/drawing/2014/main" id="{A2258C91-78B0-4A65-A0BE-714ACE64B3F6}"/>
-              </a:ext>
-            </a:extLst>
-          </p:cNvPr>
-          <p:cNvSpPr>
-            <a:spLocks noGrp="1"/>
-          </p:cNvSpPr>
-          <p:nvPr>
-            <p:ph idx="1"/>
-          </p:nvPr>
-        </p:nvSpPr>
-        <p:spPr/>
-        <p:txBody>
-          <a:bodyPr>
-            <a:normAutofit lnSpcReduction="10000"/>
-          </a:bodyPr>
-          <a:lstStyle/>
-          <a:p>
-            <a:r>
-              <a:rPr lang="en-US" dirty="0" err="1"/>
-              <a:t>Bisa</a:t>
-            </a:r>
-            <a:r>
-              <a:rPr lang="en-US" dirty="0"/>
-              <a:t> di asrama (mahal)</a:t>
-            </a:r>
-          </a:p>
-          <a:p>
-            <a:r>
-              <a:rPr lang="en-US" dirty="0" err="1"/>
-              <a:t>Bisa</a:t>
-            </a:r>
-            <a:r>
-              <a:rPr lang="en-US" dirty="0"/>
-              <a:t> di </a:t>
-            </a:r>
-            <a:r>
-              <a:rPr lang="en-US" dirty="0" err="1"/>
-              <a:t>rumah</a:t>
-            </a:r>
-            <a:r>
-              <a:rPr lang="en-US" dirty="0"/>
-              <a:t> orang </a:t>
-            </a:r>
-            <a:r>
-              <a:rPr lang="en-US" dirty="0" err="1"/>
-              <a:t>indo</a:t>
+              <a:t>akumulasi</a:t>
+            </a:r>
+            <a:r>
+              <a:rPr lang="en-US" dirty="0"/>
+              <a:t> 36kg 2 </a:t>
+            </a:r>
+            <a:r>
+              <a:rPr lang="en-US" dirty="0" err="1"/>
+              <a:t>koper</a:t>
+            </a:r>
+            <a:endParaRPr lang="en-US" dirty="0"/>
+          </a:p>
+          <a:p>
+            <a:r>
+              <a:rPr lang="en-US" dirty="0"/>
+              <a:t>Panjang </a:t>
+            </a:r>
+            <a:r>
+              <a:rPr lang="en-US" dirty="0" err="1"/>
+              <a:t>maks</a:t>
+            </a:r>
+            <a:r>
+              <a:rPr lang="en-US" dirty="0"/>
+              <a:t> 157cm </a:t>
+            </a:r>
+            <a:r>
+              <a:rPr lang="en-US" dirty="0" err="1"/>
+              <a:t>p+l+t</a:t>
+            </a:r>
+            <a:r>
+              <a:rPr lang="en-US" dirty="0"/>
+              <a:t> (</a:t>
+            </a:r>
+            <a:r>
+              <a:rPr lang="en-US" dirty="0" err="1"/>
+              <a:t>tiap</a:t>
             </a:r>
             <a:r>
               <a:rPr lang="en-US" dirty="0"/>
@@ -4625,33 +4751,7 @@
             </a:r>
             <a:r>
               <a:rPr lang="en-US" dirty="0" err="1"/>
-              <a:t>disana</a:t>
-            </a:r>
-            <a:r>
-              <a:rPr lang="en-US" dirty="0"/>
-              <a:t> (recommended)</a:t>
-            </a:r>
-          </a:p>
-          <a:p>
-            <a:r>
-              <a:rPr lang="en-US" dirty="0" err="1"/>
-              <a:t>Manusia</a:t>
-            </a:r>
-            <a:r>
-              <a:rPr lang="en-US" dirty="0"/>
-              <a:t> yang </a:t>
-            </a:r>
-            <a:r>
-              <a:rPr lang="en-US" dirty="0" err="1"/>
-              <a:t>disarankan</a:t>
-            </a:r>
-            <a:r>
-              <a:rPr lang="en-US" dirty="0"/>
-              <a:t> 6/7 orang (</a:t>
-            </a:r>
-            <a:r>
-              <a:rPr lang="en-US" dirty="0" err="1"/>
-              <a:t>sesuai</a:t>
+              <a:t>maskapai</a:t>
             </a:r>
             <a:r>
               <a:rPr lang="en-US" dirty="0"/>
@@ -4659,7 +4759,7 @@
             </a:r>
             <a:r>
               <a:rPr lang="en-US" dirty="0" err="1"/>
-              <a:t>mobil</a:t>
+              <a:t>beda</a:t>
             </a:r>
             <a:r>
               <a:rPr lang="en-US" dirty="0"/>
@@ -4669,7 +4769,7 @@
           <a:p>
             <a:r>
               <a:rPr lang="en-US" dirty="0" err="1"/>
-              <a:t>Supir</a:t>
+              <a:t>Kapal</a:t>
             </a:r>
             <a:r>
               <a:rPr lang="en-US" dirty="0"/>
@@ -4677,15 +4777,7 @@
             </a:r>
             <a:r>
               <a:rPr lang="en-US" dirty="0" err="1"/>
-              <a:t>bikin</a:t>
-            </a:r>
-            <a:r>
-              <a:rPr lang="en-US" dirty="0"/>
-              <a:t> SIM international di </a:t>
-            </a:r>
-            <a:r>
-              <a:rPr lang="en-US" dirty="0" err="1"/>
-              <a:t>korlantas</a:t>
+              <a:t>sebaiknya</a:t>
             </a:r>
             <a:r>
               <a:rPr lang="en-US" dirty="0"/>
@@ -4693,7 +4785,7 @@
             </a:r>
             <a:r>
               <a:rPr lang="en-US" dirty="0" err="1"/>
-              <a:t>dekat</a:t>
+              <a:t>bongkar</a:t>
             </a:r>
             <a:r>
               <a:rPr lang="en-US" dirty="0"/>
@@ -4701,14 +4793,54 @@
             </a:r>
             <a:r>
               <a:rPr lang="en-US" dirty="0" err="1"/>
-              <a:t>pancoran</a:t>
+              <a:t>pasang</a:t>
+            </a:r>
+            <a:r>
+              <a:rPr lang="en-US" dirty="0"/>
+              <a:t> dan </a:t>
+            </a:r>
+            <a:r>
+              <a:rPr lang="en-US" dirty="0" err="1"/>
+              <a:t>masukkan</a:t>
+            </a:r>
+            <a:r>
+              <a:rPr lang="en-US" dirty="0"/>
+              <a:t> </a:t>
+            </a:r>
+            <a:r>
+              <a:rPr lang="en-US" dirty="0" err="1"/>
+              <a:t>ke</a:t>
+            </a:r>
+            <a:r>
+              <a:rPr lang="en-US" dirty="0"/>
+              <a:t> </a:t>
+            </a:r>
+            <a:r>
+              <a:rPr lang="en-US" dirty="0" err="1"/>
+              <a:t>koper</a:t>
             </a:r>
             <a:endParaRPr lang="en-US" dirty="0"/>
           </a:p>
           <a:p>
             <a:r>
               <a:rPr lang="en-US" dirty="0" err="1"/>
-              <a:t>Harga</a:t>
+              <a:t>Pake</a:t>
+            </a:r>
+            <a:r>
+              <a:rPr lang="en-US" dirty="0"/>
+              <a:t> bubble wrap </a:t>
+            </a:r>
+            <a:r>
+              <a:rPr lang="en-US" dirty="0" err="1"/>
+              <a:t>untuk</a:t>
+            </a:r>
+            <a:r>
+              <a:rPr lang="en-US" dirty="0"/>
+              <a:t> tiap2 </a:t>
+            </a:r>
+            <a:r>
+              <a:rPr lang="en-US" dirty="0" err="1"/>
+              <a:t>komponen</a:t>
             </a:r>
             <a:r>
               <a:rPr lang="en-US" dirty="0"/>
@@ -4716,23 +4848,7 @@
             </a:r>
             <a:r>
               <a:rPr lang="en-US" dirty="0" err="1"/>
-              <a:t>sewa</a:t>
-            </a:r>
-            <a:r>
-              <a:rPr lang="en-US" dirty="0"/>
-              <a:t>, </a:t>
-            </a:r>
-            <a:r>
-              <a:rPr lang="en-US" dirty="0" err="1"/>
-              <a:t>makan</a:t>
-            </a:r>
-            <a:r>
-              <a:rPr lang="en-US" dirty="0"/>
-              <a:t>, </a:t>
-            </a:r>
-            <a:r>
-              <a:rPr lang="en-US" dirty="0" err="1"/>
-              <a:t>mobil</a:t>
+              <a:t>biar</a:t>
             </a:r>
             <a:r>
               <a:rPr lang="en-US" dirty="0"/>
@@ -4740,7 +4856,7 @@
             </a:r>
             <a:r>
               <a:rPr lang="en-US" dirty="0" err="1"/>
-              <a:t>dll</a:t>
+              <a:t>gk</a:t>
             </a:r>
             <a:r>
               <a:rPr lang="en-US" dirty="0"/>
@@ -4748,167 +4864,35 @@
             </a:r>
             <a:r>
               <a:rPr lang="en-US" dirty="0" err="1"/>
-              <a:t>silahkan</a:t>
-            </a:r>
-            <a:r>
-              <a:rPr lang="en-US" dirty="0"/>
-              <a:t> </a:t>
-            </a:r>
-            <a:r>
-              <a:rPr lang="en-US" dirty="0" err="1"/>
-              <a:t>dibicarakan</a:t>
-            </a:r>
-            <a:r>
-              <a:rPr lang="en-US" dirty="0"/>
-              <a:t> </a:t>
-            </a:r>
-            <a:r>
-              <a:rPr lang="en-US" dirty="0" err="1"/>
-              <a:t>dengan</a:t>
-            </a:r>
-            <a:r>
-              <a:rPr lang="en-US" dirty="0"/>
-              <a:t> yang punya</a:t>
-            </a:r>
-          </a:p>
-          <a:p>
-            <a:r>
-              <a:rPr lang="en-US" dirty="0" err="1"/>
-              <a:t>Jarak</a:t>
-            </a:r>
-            <a:r>
-              <a:rPr lang="en-US" dirty="0"/>
-              <a:t> </a:t>
-            </a:r>
-            <a:r>
-              <a:rPr lang="en-US" dirty="0" err="1"/>
-              <a:t>rumah</a:t>
-            </a:r>
-            <a:r>
-              <a:rPr lang="en-US" dirty="0"/>
-              <a:t> </a:t>
-            </a:r>
-            <a:r>
-              <a:rPr lang="en-US" dirty="0" err="1"/>
-              <a:t>ke</a:t>
-            </a:r>
-            <a:r>
-              <a:rPr lang="en-US" dirty="0"/>
-              <a:t> </a:t>
-            </a:r>
-            <a:r>
-              <a:rPr lang="en-US" dirty="0" err="1"/>
-              <a:t>lokasi</a:t>
-            </a:r>
-            <a:r>
-              <a:rPr lang="en-US" dirty="0"/>
-              <a:t> 36mil, </a:t>
-            </a:r>
-            <a:r>
-              <a:rPr lang="en-US" dirty="0" err="1"/>
-              <a:t>sekitar</a:t>
-            </a:r>
-            <a:r>
-              <a:rPr lang="en-US" dirty="0"/>
-              <a:t> 45-50 </a:t>
-            </a:r>
-            <a:r>
-              <a:rPr lang="en-US" dirty="0" err="1"/>
-              <a:t>menit</a:t>
-            </a:r>
-            <a:r>
-              <a:rPr lang="en-US" dirty="0"/>
-              <a:t> </a:t>
-            </a:r>
-            <a:r>
-              <a:rPr lang="en-US" dirty="0" err="1"/>
-              <a:t>bawa</a:t>
-            </a:r>
-            <a:r>
-              <a:rPr lang="en-US" dirty="0"/>
-              <a:t> </a:t>
-            </a:r>
-            <a:r>
-              <a:rPr lang="en-US" dirty="0" err="1"/>
-              <a:t>mobil</a:t>
+              <a:t>rusak</a:t>
             </a:r>
             <a:endParaRPr lang="en-US" dirty="0"/>
           </a:p>
           <a:p>
+            <a:r>
+              <a:rPr lang="en-US" dirty="0"/>
+              <a:t>Isi baju di </a:t>
+            </a:r>
+            <a:r>
+              <a:rPr lang="en-US" dirty="0" err="1"/>
+              <a:t>lambung</a:t>
+            </a:r>
+            <a:r>
+              <a:rPr lang="en-US" dirty="0"/>
+              <a:t> dan SS </a:t>
+            </a:r>
+            <a:r>
+              <a:rPr lang="en-US" dirty="0" err="1"/>
+              <a:t>kapal</a:t>
+            </a:r>
             <a:endParaRPr lang="en-US" dirty="0"/>
-          </a:p>
-          <a:p>
-            <a:pPr marL="0" indent="0">
-              <a:buNone/>
-            </a:pPr>
-            <a:r>
-              <a:rPr lang="en-US" dirty="0"/>
-              <a:t>+1(386)316-3328 (om </a:t>
-            </a:r>
-            <a:r>
-              <a:rPr lang="en-US" dirty="0" err="1"/>
-              <a:t>sondy</a:t>
-            </a:r>
-            <a:r>
-              <a:rPr lang="en-US" dirty="0"/>
-              <a:t>, </a:t>
-            </a:r>
-            <a:r>
-              <a:rPr lang="en-US" dirty="0" err="1"/>
-              <a:t>pemilik</a:t>
-            </a:r>
-            <a:r>
-              <a:rPr lang="en-US" dirty="0"/>
-              <a:t> </a:t>
-            </a:r>
-            <a:r>
-              <a:rPr lang="en-US" dirty="0" err="1"/>
-              <a:t>rumah</a:t>
-            </a:r>
-            <a:r>
-              <a:rPr lang="en-US" dirty="0"/>
-              <a:t>)</a:t>
-            </a:r>
-          </a:p>
-          <a:p>
-            <a:pPr marL="0" indent="0">
-              <a:buNone/>
-            </a:pPr>
-            <a:r>
-              <a:rPr lang="en-US" dirty="0"/>
-              <a:t>+1(386)748-6696 (</a:t>
-            </a:r>
-            <a:r>
-              <a:rPr lang="en-US" dirty="0" err="1"/>
-              <a:t>mba</a:t>
-            </a:r>
-            <a:r>
-              <a:rPr lang="en-US" dirty="0"/>
-              <a:t> </a:t>
-            </a:r>
-            <a:r>
-              <a:rPr lang="en-US" dirty="0" err="1"/>
-              <a:t>intan</a:t>
-            </a:r>
-            <a:r>
-              <a:rPr lang="en-US" dirty="0"/>
-              <a:t>, </a:t>
-            </a:r>
-            <a:r>
-              <a:rPr lang="en-US" dirty="0" err="1"/>
-              <a:t>anaknya</a:t>
-            </a:r>
-            <a:r>
-              <a:rPr lang="en-US" dirty="0"/>
-              <a:t>)</a:t>
-            </a:r>
           </a:p>
         </p:txBody>
       </p:sp>
     </p:spTree>
     <p:extLst>
       <p:ext uri="{BB962C8B-B14F-4D97-AF65-F5344CB8AC3E}">
-        <p14:creationId xmlns:p14="http://schemas.microsoft.com/office/powerpoint/2010/main" val="19096000"/>
+        <p14:creationId xmlns:p14="http://schemas.microsoft.com/office/powerpoint/2010/main" val="4072983793"/>
       </p:ext>
     </p:extLst>
   </p:cSld>
@@ -4940,7 +4924,7 @@
           <p:cNvPr id="2" name="Title 1">
             <a:extLst>
               <a:ext uri="{FF2B5EF4-FFF2-40B4-BE49-F238E27FC236}">
-                <a16:creationId xmlns:a16="http://schemas.microsoft.com/office/drawing/2014/main" id="{4D84A6E2-FB71-4061-9359-468120216AA5}"/>
+                <a16:creationId xmlns:a16="http://schemas.microsoft.com/office/drawing/2014/main" id="{E4C21D21-6863-41A2-8C61-BFB2844EBF29}"/>
               </a:ext>
             </a:extLst>
           </p:cNvPr>
@@ -4956,49 +4940,368 @@
           <a:bodyPr/>
           <a:lstStyle/>
           <a:p>
-            <a:endParaRPr lang="en-US"/>
-          </a:p>
-        </p:txBody>
-      </p:sp>
-      <p:pic>
-        <p:nvPicPr>
-          <p:cNvPr id="9" name="Content Placeholder 8" descr="A car parked in a parking lot&#10;&#10;Description automatically generated">
-            <a:extLst>
-              <a:ext uri="{FF2B5EF4-FFF2-40B4-BE49-F238E27FC236}">
-                <a16:creationId xmlns:a16="http://schemas.microsoft.com/office/drawing/2014/main" id="{A0FEE35C-6956-43CB-B8C8-980023A3A8EA}"/>
-              </a:ext>
-            </a:extLst>
-          </p:cNvPr>
-          <p:cNvPicPr>
-            <a:picLocks noGrp="1" noChangeAspect="1"/>
-          </p:cNvPicPr>
+            <a:r>
+              <a:rPr lang="en-US" dirty="0" err="1"/>
+              <a:t>Tempat</a:t>
+            </a:r>
+            <a:r>
+              <a:rPr lang="en-US" dirty="0"/>
+              <a:t> </a:t>
+            </a:r>
+            <a:r>
+              <a:rPr lang="en-US" dirty="0" err="1"/>
+              <a:t>tinggal</a:t>
+            </a:r>
+            <a:r>
+              <a:rPr lang="en-US" dirty="0"/>
+              <a:t>	</a:t>
+            </a:r>
+          </a:p>
+        </p:txBody>
+      </p:sp>
+      <p:sp>
+        <p:nvSpPr>
+          <p:cNvPr id="3" name="Content Placeholder 2">
+            <a:extLst>
+              <a:ext uri="{FF2B5EF4-FFF2-40B4-BE49-F238E27FC236}">
+                <a16:creationId xmlns:a16="http://schemas.microsoft.com/office/drawing/2014/main" id="{A2258C91-78B0-4A65-A0BE-714ACE64B3F6}"/>
+              </a:ext>
+            </a:extLst>
+          </p:cNvPr>
+          <p:cNvSpPr>
+            <a:spLocks noGrp="1"/>
+          </p:cNvSpPr>
           <p:nvPr>
             <p:ph idx="1"/>
           </p:nvPr>
-        </p:nvPicPr>
-        <p:blipFill>
-          <a:blip r:embed="rId2">
-            <a:extLst>
-              <a:ext uri="{28A0092B-C50C-407E-A947-70E740481C1C}">
-                <a14:useLocalDpi xmlns:a14="http://schemas.microsoft.com/office/drawing/2010/main" val="0"/>
-              </a:ext>
-            </a:extLst>
-          </a:blip>
-          <a:stretch>
-            <a:fillRect/>
-          </a:stretch>
-        </p:blipFill>
-        <p:spPr>
-          <a:xfrm>
-            <a:off x="1243914" y="481473"/>
-            <a:ext cx="9308756" cy="5895053"/>
-          </a:xfrm>
-        </p:spPr>
-      </p:pic>
+        </p:nvSpPr>
+        <p:spPr/>
+        <p:txBody>
+          <a:bodyPr>
+            <a:normAutofit lnSpcReduction="10000"/>
+          </a:bodyPr>
+          <a:lstStyle/>
+          <a:p>
+            <a:r>
+              <a:rPr lang="en-US" dirty="0" err="1"/>
+              <a:t>Bisa</a:t>
+            </a:r>
+            <a:r>
+              <a:rPr lang="en-US" dirty="0"/>
+              <a:t> di asrama (mahal)</a:t>
+            </a:r>
+          </a:p>
+          <a:p>
+            <a:r>
+              <a:rPr lang="en-US" dirty="0" err="1"/>
+              <a:t>Bisa</a:t>
+            </a:r>
+            <a:r>
+              <a:rPr lang="en-US" dirty="0"/>
+              <a:t> di </a:t>
+            </a:r>
+            <a:r>
+              <a:rPr lang="en-US" dirty="0" err="1"/>
+              <a:t>rumah</a:t>
+            </a:r>
+            <a:r>
+              <a:rPr lang="en-US" dirty="0"/>
+              <a:t> orang </a:t>
+            </a:r>
+            <a:r>
+              <a:rPr lang="en-US" dirty="0" err="1"/>
+              <a:t>indo</a:t>
+            </a:r>
+            <a:r>
+              <a:rPr lang="en-US" dirty="0"/>
+              <a:t> </a:t>
+            </a:r>
+            <a:r>
+              <a:rPr lang="en-US" dirty="0" err="1"/>
+              <a:t>disana</a:t>
+            </a:r>
+            <a:r>
+              <a:rPr lang="en-US" dirty="0"/>
+              <a:t> (recommended)</a:t>
+            </a:r>
+          </a:p>
+          <a:p>
+            <a:r>
+              <a:rPr lang="en-US" dirty="0" err="1"/>
+              <a:t>Manusia</a:t>
+            </a:r>
+            <a:r>
+              <a:rPr lang="en-US" dirty="0"/>
+              <a:t> yang </a:t>
+            </a:r>
+            <a:r>
+              <a:rPr lang="en-US" dirty="0" err="1"/>
+              <a:t>disarankan</a:t>
+            </a:r>
+            <a:r>
+              <a:rPr lang="en-US" dirty="0"/>
+              <a:t> 6/7 orang (</a:t>
+            </a:r>
+            <a:r>
+              <a:rPr lang="en-US" dirty="0" err="1"/>
+              <a:t>sesuai</a:t>
+            </a:r>
+            <a:r>
+              <a:rPr lang="en-US" dirty="0"/>
+              <a:t> </a:t>
+            </a:r>
+            <a:r>
+              <a:rPr lang="en-US" dirty="0" err="1"/>
+              <a:t>mobil</a:t>
+            </a:r>
+            <a:r>
+              <a:rPr lang="en-US" dirty="0"/>
+              <a:t>)</a:t>
+            </a:r>
+          </a:p>
+          <a:p>
+            <a:r>
+              <a:rPr lang="en-US" dirty="0" err="1"/>
+              <a:t>Supir</a:t>
+            </a:r>
+            <a:r>
+              <a:rPr lang="en-US" dirty="0"/>
+              <a:t> </a:t>
+            </a:r>
+            <a:r>
+              <a:rPr lang="en-US" dirty="0" err="1"/>
+              <a:t>bikin</a:t>
+            </a:r>
+            <a:r>
+              <a:rPr lang="en-US" dirty="0"/>
+              <a:t> SIM international di </a:t>
+            </a:r>
+            <a:r>
+              <a:rPr lang="en-US" dirty="0" err="1"/>
+              <a:t>korlantas</a:t>
+            </a:r>
+            <a:r>
+              <a:rPr lang="en-US" dirty="0"/>
+              <a:t> </a:t>
+            </a:r>
+            <a:r>
+              <a:rPr lang="en-US" dirty="0" err="1"/>
+              <a:t>dekat</a:t>
+            </a:r>
+            <a:r>
+              <a:rPr lang="en-US" dirty="0"/>
+              <a:t> </a:t>
+            </a:r>
+            <a:r>
+              <a:rPr lang="en-US" dirty="0" err="1"/>
+              <a:t>pancoran</a:t>
+            </a:r>
+            <a:endParaRPr lang="en-US" dirty="0"/>
+          </a:p>
+          <a:p>
+            <a:r>
+              <a:rPr lang="en-US" dirty="0" err="1"/>
+              <a:t>Harga</a:t>
+            </a:r>
+            <a:r>
+              <a:rPr lang="en-US" dirty="0"/>
+              <a:t> </a:t>
+            </a:r>
+            <a:r>
+              <a:rPr lang="en-US" dirty="0" err="1"/>
+              <a:t>sewa</a:t>
+            </a:r>
+            <a:r>
+              <a:rPr lang="en-US" dirty="0"/>
+              <a:t>, </a:t>
+            </a:r>
+            <a:r>
+              <a:rPr lang="en-US" dirty="0" err="1"/>
+              <a:t>makan</a:t>
+            </a:r>
+            <a:r>
+              <a:rPr lang="en-US" dirty="0"/>
+              <a:t>, </a:t>
+            </a:r>
+            <a:r>
+              <a:rPr lang="en-US" dirty="0" err="1"/>
+              <a:t>mobil</a:t>
+            </a:r>
+            <a:r>
+              <a:rPr lang="en-US" dirty="0"/>
+              <a:t> </a:t>
+            </a:r>
+            <a:r>
+              <a:rPr lang="en-US" dirty="0" err="1"/>
+              <a:t>dll</a:t>
+            </a:r>
+            <a:r>
+              <a:rPr lang="en-US" dirty="0"/>
+              <a:t> </a:t>
+            </a:r>
+            <a:r>
+              <a:rPr lang="en-US" dirty="0" err="1"/>
+              <a:t>silahkan</a:t>
+            </a:r>
+            <a:r>
+              <a:rPr lang="en-US" dirty="0"/>
+              <a:t> </a:t>
+            </a:r>
+            <a:r>
+              <a:rPr lang="en-US" dirty="0" err="1"/>
+              <a:t>dibicarakan</a:t>
+            </a:r>
+            <a:r>
+              <a:rPr lang="en-US" dirty="0"/>
+              <a:t> </a:t>
+            </a:r>
+            <a:r>
+              <a:rPr lang="en-US" dirty="0" err="1"/>
+              <a:t>dengan</a:t>
+            </a:r>
+            <a:r>
+              <a:rPr lang="en-US" dirty="0"/>
+              <a:t> yang punya</a:t>
+            </a:r>
+          </a:p>
+          <a:p>
+            <a:r>
+              <a:rPr lang="en-US" dirty="0" err="1"/>
+              <a:t>Jarak</a:t>
+            </a:r>
+            <a:r>
+              <a:rPr lang="en-US" dirty="0"/>
+              <a:t> </a:t>
+            </a:r>
+            <a:r>
+              <a:rPr lang="en-US" dirty="0" err="1"/>
+              <a:t>rumah</a:t>
+            </a:r>
+            <a:r>
+              <a:rPr lang="en-US" dirty="0"/>
+              <a:t> </a:t>
+            </a:r>
+            <a:r>
+              <a:rPr lang="en-US" dirty="0" err="1"/>
+              <a:t>ke</a:t>
+            </a:r>
+            <a:r>
+              <a:rPr lang="en-US" dirty="0"/>
+              <a:t> </a:t>
+            </a:r>
+            <a:r>
+              <a:rPr lang="en-US" dirty="0" err="1"/>
+              <a:t>lokasi</a:t>
+            </a:r>
+            <a:r>
+              <a:rPr lang="en-US" dirty="0"/>
+              <a:t> 36mil, </a:t>
+            </a:r>
+            <a:r>
+              <a:rPr lang="en-US" dirty="0" err="1"/>
+              <a:t>sekitar</a:t>
+            </a:r>
+            <a:r>
+              <a:rPr lang="en-US" dirty="0"/>
+              <a:t> 45-50 </a:t>
+            </a:r>
+            <a:r>
+              <a:rPr lang="en-US" dirty="0" err="1"/>
+              <a:t>menit</a:t>
+            </a:r>
+            <a:r>
+              <a:rPr lang="en-US" dirty="0"/>
+              <a:t> </a:t>
+            </a:r>
+            <a:r>
+              <a:rPr lang="en-US" dirty="0" err="1"/>
+              <a:t>bawa</a:t>
+            </a:r>
+            <a:r>
+              <a:rPr lang="en-US" dirty="0"/>
+              <a:t> </a:t>
+            </a:r>
+            <a:r>
+              <a:rPr lang="en-US" dirty="0" err="1"/>
+              <a:t>mobil</a:t>
+            </a:r>
+            <a:endParaRPr lang="en-US" dirty="0"/>
+          </a:p>
+          <a:p>
+            <a:endParaRPr lang="en-US" dirty="0"/>
+          </a:p>
+          <a:p>
+            <a:pPr marL="0" indent="0">
+              <a:buNone/>
+            </a:pPr>
+            <a:r>
+              <a:rPr lang="en-US" dirty="0"/>
+              <a:t>+1(386)316-3328 (om </a:t>
+            </a:r>
+            <a:r>
+              <a:rPr lang="en-US" dirty="0" err="1"/>
+              <a:t>sondy</a:t>
+            </a:r>
+            <a:r>
+              <a:rPr lang="en-US" dirty="0"/>
+              <a:t>, </a:t>
+            </a:r>
+            <a:r>
+              <a:rPr lang="en-US" dirty="0" err="1"/>
+              <a:t>pemilik</a:t>
+            </a:r>
+            <a:r>
+              <a:rPr lang="en-US" dirty="0"/>
+              <a:t> </a:t>
+            </a:r>
+            <a:r>
+              <a:rPr lang="en-US" dirty="0" err="1"/>
+              <a:t>rumah</a:t>
+            </a:r>
+            <a:r>
+              <a:rPr lang="en-US" dirty="0"/>
+              <a:t>)</a:t>
+            </a:r>
+          </a:p>
+          <a:p>
+            <a:pPr marL="0" indent="0">
+              <a:buNone/>
+            </a:pPr>
+            <a:r>
+              <a:rPr lang="en-US" dirty="0"/>
+              <a:t>+1(386)748-6696 (</a:t>
+            </a:r>
+            <a:r>
+              <a:rPr lang="en-US" dirty="0" err="1"/>
+              <a:t>mba</a:t>
+            </a:r>
+            <a:r>
+              <a:rPr lang="en-US" dirty="0"/>
+              <a:t> </a:t>
+            </a:r>
+            <a:r>
+              <a:rPr lang="en-US" dirty="0" err="1"/>
+              <a:t>intan</a:t>
+            </a:r>
+            <a:r>
+              <a:rPr lang="en-US" dirty="0"/>
+              <a:t>, </a:t>
+            </a:r>
+            <a:r>
+              <a:rPr lang="en-US" dirty="0" err="1"/>
+              <a:t>anaknya</a:t>
+            </a:r>
+            <a:r>
+              <a:rPr lang="en-US" dirty="0"/>
+              <a:t>)</a:t>
+            </a:r>
+          </a:p>
+        </p:txBody>
+      </p:sp>
     </p:spTree>
     <p:extLst>
       <p:ext uri="{BB962C8B-B14F-4D97-AF65-F5344CB8AC3E}">
-        <p14:creationId xmlns:p14="http://schemas.microsoft.com/office/powerpoint/2010/main" val="180967498"/>
+        <p14:creationId xmlns:p14="http://schemas.microsoft.com/office/powerpoint/2010/main" val="19096000"/>
       </p:ext>
     </p:extLst>
   </p:cSld>
@@ -5030,7 +5333,7 @@
           <p:cNvPr id="2" name="Title 1">
             <a:extLst>
               <a:ext uri="{FF2B5EF4-FFF2-40B4-BE49-F238E27FC236}">
-                <a16:creationId xmlns:a16="http://schemas.microsoft.com/office/drawing/2014/main" id="{E3F21E8E-4270-415C-8468-445DE7C3F84D}"/>
+                <a16:creationId xmlns:a16="http://schemas.microsoft.com/office/drawing/2014/main" id="{4D84A6E2-FB71-4061-9359-468120216AA5}"/>
               </a:ext>
             </a:extLst>
           </p:cNvPr>
@@ -5046,132 +5349,49 @@
           <a:bodyPr/>
           <a:lstStyle/>
           <a:p>
-            <a:r>
-              <a:rPr lang="en-US" dirty="0" err="1"/>
-              <a:t>Pembelian</a:t>
-            </a:r>
-            <a:r>
-              <a:rPr lang="en-US" dirty="0"/>
-              <a:t> </a:t>
-            </a:r>
-          </a:p>
-        </p:txBody>
-      </p:sp>
-      <p:sp>
-        <p:nvSpPr>
-          <p:cNvPr id="3" name="Content Placeholder 2">
-            <a:extLst>
-              <a:ext uri="{FF2B5EF4-FFF2-40B4-BE49-F238E27FC236}">
-                <a16:creationId xmlns:a16="http://schemas.microsoft.com/office/drawing/2014/main" id="{4208A99D-F10D-4AE9-8825-19A4D9535467}"/>
-              </a:ext>
-            </a:extLst>
-          </p:cNvPr>
-          <p:cNvSpPr>
-            <a:spLocks noGrp="1"/>
-          </p:cNvSpPr>
+            <a:endParaRPr lang="en-US"/>
+          </a:p>
+        </p:txBody>
+      </p:sp>
+      <p:pic>
+        <p:nvPicPr>
+          <p:cNvPr id="9" name="Content Placeholder 8" descr="A car parked in a parking lot&#10;&#10;Description automatically generated">
+            <a:extLst>
+              <a:ext uri="{FF2B5EF4-FFF2-40B4-BE49-F238E27FC236}">
+                <a16:creationId xmlns:a16="http://schemas.microsoft.com/office/drawing/2014/main" id="{A0FEE35C-6956-43CB-B8C8-980023A3A8EA}"/>
+              </a:ext>
+            </a:extLst>
+          </p:cNvPr>
+          <p:cNvPicPr>
+            <a:picLocks noGrp="1" noChangeAspect="1"/>
+          </p:cNvPicPr>
           <p:nvPr>
             <p:ph idx="1"/>
           </p:nvPr>
-        </p:nvSpPr>
-        <p:spPr/>
-        <p:txBody>
-          <a:bodyPr/>
-          <a:lstStyle/>
-          <a:p>
-            <a:r>
-              <a:rPr lang="en-US" dirty="0"/>
-              <a:t>Walmart, </a:t>
-            </a:r>
-            <a:r>
-              <a:rPr lang="en-US" dirty="0" err="1"/>
-              <a:t>publix</a:t>
-            </a:r>
-            <a:r>
-              <a:rPr lang="en-US" dirty="0"/>
-              <a:t>, toko2 </a:t>
-            </a:r>
-            <a:r>
-              <a:rPr lang="en-US" dirty="0" err="1"/>
-              <a:t>banyak</a:t>
-            </a:r>
-            <a:endParaRPr lang="en-US" dirty="0"/>
-          </a:p>
-          <a:p>
-            <a:r>
-              <a:rPr lang="en-US" dirty="0" err="1"/>
-              <a:t>Sedia</a:t>
-            </a:r>
-            <a:r>
-              <a:rPr lang="en-US" dirty="0"/>
-              <a:t> CC</a:t>
-            </a:r>
-          </a:p>
-          <a:p>
-            <a:r>
-              <a:rPr lang="en-US" dirty="0" err="1"/>
-              <a:t>Bawa</a:t>
-            </a:r>
-            <a:r>
-              <a:rPr lang="en-US" dirty="0"/>
-              <a:t> cash dollar (</a:t>
-            </a:r>
-            <a:r>
-              <a:rPr lang="en-US" dirty="0" err="1"/>
-              <a:t>tukar</a:t>
-            </a:r>
-            <a:r>
-              <a:rPr lang="en-US" dirty="0"/>
-              <a:t> di bank, </a:t>
-            </a:r>
-            <a:r>
-              <a:rPr lang="en-US" dirty="0" err="1"/>
-              <a:t>bandara</a:t>
-            </a:r>
-            <a:r>
-              <a:rPr lang="en-US" dirty="0"/>
-              <a:t> mahal)</a:t>
-            </a:r>
-          </a:p>
-          <a:p>
-            <a:r>
-              <a:rPr lang="en-US" dirty="0" err="1"/>
-              <a:t>Penarikan</a:t>
-            </a:r>
-            <a:r>
-              <a:rPr lang="en-US" dirty="0"/>
-              <a:t> </a:t>
-            </a:r>
-            <a:r>
-              <a:rPr lang="en-US" dirty="0" err="1"/>
-              <a:t>menggunakan</a:t>
-            </a:r>
-            <a:r>
-              <a:rPr lang="en-US" dirty="0"/>
-              <a:t> visa </a:t>
-            </a:r>
-            <a:r>
-              <a:rPr lang="en-US" dirty="0" err="1"/>
-              <a:t>dibatasi</a:t>
-            </a:r>
-            <a:r>
-              <a:rPr lang="en-US" dirty="0"/>
-              <a:t> 300 dollar per </a:t>
-            </a:r>
-            <a:r>
-              <a:rPr lang="en-US" dirty="0" err="1"/>
-              <a:t>hari</a:t>
-            </a:r>
-            <a:endParaRPr lang="en-US" dirty="0"/>
-          </a:p>
-          <a:p>
-            <a:endParaRPr lang="en-US" dirty="0"/>
-          </a:p>
-        </p:txBody>
-      </p:sp>
+        </p:nvPicPr>
+        <p:blipFill>
+          <a:blip r:embed="rId2">
+            <a:extLst>
+              <a:ext uri="{28A0092B-C50C-407E-A947-70E740481C1C}">
+                <a14:useLocalDpi xmlns:a14="http://schemas.microsoft.com/office/drawing/2010/main" val="0"/>
+              </a:ext>
+            </a:extLst>
+          </a:blip>
+          <a:stretch>
+            <a:fillRect/>
+          </a:stretch>
+        </p:blipFill>
+        <p:spPr>
+          <a:xfrm>
+            <a:off x="1243914" y="481473"/>
+            <a:ext cx="9308756" cy="5895053"/>
+          </a:xfrm>
+        </p:spPr>
+      </p:pic>
     </p:spTree>
     <p:extLst>
       <p:ext uri="{BB962C8B-B14F-4D97-AF65-F5344CB8AC3E}">
-        <p14:creationId xmlns:p14="http://schemas.microsoft.com/office/powerpoint/2010/main" val="816647156"/>
+        <p14:creationId xmlns:p14="http://schemas.microsoft.com/office/powerpoint/2010/main" val="180967498"/>
       </p:ext>
     </p:extLst>
   </p:cSld>
